--- a/Documentation/HowToCuda.pptx
+++ b/Documentation/HowToCuda.pptx
@@ -122,6 +122,11 @@
       </a:defRPr>
     </a:lvl9pPr>
   </p:defaultTextStyle>
+  <p:extLst>
+    <p:ext uri="{EFAFB233-063F-42B5-8137-9DF3F51BA10A}">
+      <p15:sldGuideLst xmlns:p15="http://schemas.microsoft.com/office/powerpoint/2012/main"/>
+    </p:ext>
+  </p:extLst>
 </p:presentation>
 </file>
 
@@ -13269,7 +13274,13 @@
           <a:p>
             <a:r>
               <a:rPr lang="en-US" dirty="0"/>
-              <a:t>Additionally, implementing this method with CUDA, allows us to speed up the algorithm even more, as the number of high threads usage is required.</a:t>
+              <a:t>Additionally, implementing this method with CUDA, allows us to speed up the algorithm even more, as the number of high threads usage is required. </a:t>
+            </a:r>
+          </a:p>
+          <a:p>
+            <a:r>
+              <a:rPr lang="en-US" dirty="0"/>
+              <a:t>More nodes =&gt; more threads =&gt; better acceleration.</a:t>
             </a:r>
           </a:p>
         </p:txBody>
